--- a/restricted/slides8f.pptx
+++ b/restricted/slides8f.pptx
@@ -4335,7 +4335,11 @@
             </a:r>
             <a:r>
               <a:rPr lang="en-US" sz="1200" dirty="0" smtClean="0"/>
-              <a:t> 9M.‹#›</a:t>
+              <a:t> 8F.‹</a:t>
+            </a:r>
+            <a:r>
+              <a:rPr lang="en-US" sz="1200" dirty="0" smtClean="0"/>
+              <a:t>#›</a:t>
             </a:r>
             <a:endParaRPr lang="en-US" sz="1200" dirty="0"/>
           </a:p>
@@ -4506,7 +4510,11 @@
             </a:r>
             <a:r>
               <a:rPr lang="en-US" sz="1200" dirty="0" smtClean="0"/>
-              <a:t> 9M.‹#›</a:t>
+              <a:t> 8F.‹</a:t>
+            </a:r>
+            <a:r>
+              <a:rPr lang="en-US" sz="1200" dirty="0" smtClean="0"/>
+              <a:t>#›</a:t>
             </a:r>
             <a:endParaRPr lang="en-US" sz="1200" dirty="0"/>
           </a:p>
@@ -4695,7 +4703,11 @@
             </a:r>
             <a:r>
               <a:rPr lang="en-US" sz="1200" dirty="0" smtClean="0"/>
-              <a:t> 9M.‹#›</a:t>
+              <a:t> 8F.‹</a:t>
+            </a:r>
+            <a:r>
+              <a:rPr lang="en-US" sz="1200" dirty="0" smtClean="0"/>
+              <a:t>#›</a:t>
             </a:r>
             <a:endParaRPr lang="en-US" sz="1200" dirty="0"/>
           </a:p>
@@ -4790,7 +4802,7 @@
             </a:r>
             <a:r>
               <a:rPr lang="en-US" dirty="0" smtClean="0"/>
-              <a:t> 9M.</a:t>
+              <a:t> 8F.</a:t>
             </a:r>
             <a:fld id="{092F4601-307B-4C24-B8E1-0927D73A950D}" type="slidenum">
               <a:rPr lang="en-US" smtClean="0"/>
@@ -4865,7 +4877,7 @@
             </a:r>
             <a:r>
               <a:rPr lang="en-US" dirty="0" smtClean="0"/>
-              <a:t> 9M.</a:t>
+              <a:t> 8F.</a:t>
             </a:r>
             <a:fld id="{662DA84E-2EE0-4520-81DD-FF87E285B2C7}" type="slidenum">
               <a:rPr lang="en-US" smtClean="0"/>
@@ -5086,7 +5098,7 @@
             </a:r>
             <a:r>
               <a:rPr lang="en-US" dirty="0" smtClean="0"/>
-              <a:t> 9M.</a:t>
+              <a:t> 8F.</a:t>
             </a:r>
             <a:fld id="{7C4E6977-E764-49C2-9B46-F1F7E8372AF3}" type="slidenum">
               <a:rPr lang="en-US" smtClean="0"/>
@@ -5337,7 +5349,11 @@
             </a:r>
             <a:r>
               <a:rPr lang="en-US" sz="1200" dirty="0" smtClean="0"/>
-              <a:t> 9M.‹#›</a:t>
+              <a:t> 8F.</a:t>
+            </a:r>
+            <a:r>
+              <a:rPr lang="en-US" sz="1200" dirty="0" smtClean="0"/>
+              <a:t>‹#›</a:t>
             </a:r>
             <a:endParaRPr lang="en-US" sz="1200" dirty="0"/>
           </a:p>
@@ -5394,7 +5410,22 @@
                 <a:uFillTx/>
                 <a:latin typeface="Comic Sans MS" pitchFamily="66" charset="0"/>
               </a:rPr>
-              <a:t>Albert R Meyer, November 2, 2009</a:t>
+              <a:t>Albert R Meyer</a:t>
+            </a:r>
+            <a:r>
+              <a:rPr kumimoji="0" lang="en-US" sz="1200" b="0" i="0" u="none" strike="noStrike" kern="1200" cap="none" spc="0" normalizeH="0" baseline="0" noProof="0" dirty="0" smtClean="0">
+                <a:ln>
+                  <a:noFill/>
+                </a:ln>
+                <a:solidFill>
+                  <a:schemeClr val="tx1"/>
+                </a:solidFill>
+                <a:effectLst/>
+                <a:uLnTx/>
+                <a:uFillTx/>
+                <a:latin typeface="Comic Sans MS" pitchFamily="66" charset="0"/>
+              </a:rPr>
+              <a:t>,             April 2, 2010</a:t>
             </a:r>
             <a:endParaRPr kumimoji="0" lang="en-US" sz="1200" b="0" i="0" u="none" strike="noStrike" kern="1200" cap="none" spc="0" normalizeH="0" baseline="0" noProof="0" dirty="0">
               <a:ln>
@@ -5869,7 +5900,7 @@
             </a:r>
             <a:r>
               <a:rPr lang="en-US" dirty="0" smtClean="0"/>
-              <a:t> 9M.</a:t>
+              <a:t> 8F.</a:t>
             </a:r>
             <a:fld id="{F969F519-7538-4B74-8C91-7BCC0BE33C8C}" type="slidenum">
               <a:rPr lang="en-US" smtClean="0"/>
@@ -6129,7 +6160,7 @@
             </a:r>
             <a:r>
               <a:rPr lang="en-US" dirty="0" smtClean="0"/>
-              <a:t> 9M.</a:t>
+              <a:t> 8F.</a:t>
             </a:r>
             <a:fld id="{AD1D0FF0-6D93-442D-82F5-8BA6A710FDEB}" type="slidenum">
               <a:rPr lang="en-US" smtClean="0"/>
@@ -6895,7 +6926,7 @@
             </a:r>
             <a:r>
               <a:rPr lang="en-US" dirty="0" smtClean="0"/>
-              <a:t> 9M.</a:t>
+              <a:t> 8F.</a:t>
             </a:r>
             <a:fld id="{A808FFD1-D581-4BF4-B068-1D0FA2A32EF2}" type="slidenum">
               <a:rPr lang="en-US" smtClean="0"/>
@@ -7386,7 +7417,7 @@
             </a:r>
             <a:r>
               <a:rPr lang="en-US" dirty="0" smtClean="0"/>
-              <a:t> 9M.</a:t>
+              <a:t> 8F.</a:t>
             </a:r>
             <a:fld id="{3023AA39-47D8-49DF-8766-B653A1B18F41}" type="slidenum">
               <a:rPr lang="en-US" smtClean="0"/>
@@ -7589,7 +7620,7 @@
             </a:r>
             <a:r>
               <a:rPr lang="en-US" dirty="0" smtClean="0"/>
-              <a:t> 9M.</a:t>
+              <a:t> 8F.</a:t>
             </a:r>
             <a:fld id="{1F6C5DAC-2009-4302-BE3F-4F64B63BF770}" type="slidenum">
               <a:rPr lang="en-US" smtClean="0"/>
@@ -8295,7 +8326,7 @@
             </a:r>
             <a:r>
               <a:rPr lang="en-US" dirty="0" smtClean="0"/>
-              <a:t> 9M.</a:t>
+              <a:t> 8F.</a:t>
             </a:r>
             <a:fld id="{1F6C5DAC-2009-4302-BE3F-4F64B63BF770}" type="slidenum">
               <a:rPr lang="en-US" smtClean="0"/>
@@ -9107,7 +9138,7 @@
             </a:r>
             <a:r>
               <a:rPr lang="en-US" dirty="0" smtClean="0"/>
-              <a:t> 9M.</a:t>
+              <a:t> 8F.</a:t>
             </a:r>
             <a:fld id="{1F6C5DAC-2009-4302-BE3F-4F64B63BF770}" type="slidenum">
               <a:rPr lang="en-US" smtClean="0"/>
@@ -9572,7 +9603,7 @@
             </a:r>
             <a:r>
               <a:rPr lang="en-US" dirty="0" smtClean="0"/>
-              <a:t> 9M.</a:t>
+              <a:t> 8F.</a:t>
             </a:r>
             <a:fld id="{240449DF-F5E8-4908-A8C5-8B1F7074FE06}" type="slidenum">
               <a:rPr lang="en-US" smtClean="0"/>
@@ -10187,7 +10218,7 @@
             </a:r>
             <a:r>
               <a:rPr lang="en-US" dirty="0" smtClean="0"/>
-              <a:t> 9M.</a:t>
+              <a:t> 8F.</a:t>
             </a:r>
             <a:fld id="{240449DF-F5E8-4908-A8C5-8B1F7074FE06}" type="slidenum">
               <a:rPr lang="en-US" smtClean="0"/>
@@ -11187,7 +11218,7 @@
             </a:r>
             <a:r>
               <a:rPr lang="en-US" dirty="0" smtClean="0"/>
-              <a:t> 9M.</a:t>
+              <a:t> 8F.</a:t>
             </a:r>
             <a:fld id="{240449DF-F5E8-4908-A8C5-8B1F7074FE06}" type="slidenum">
               <a:rPr lang="en-US" smtClean="0"/>
@@ -12134,7 +12165,7 @@
             </a:r>
             <a:r>
               <a:rPr lang="en-US" dirty="0" smtClean="0"/>
-              <a:t> 9M.</a:t>
+              <a:t> 8F.</a:t>
             </a:r>
             <a:fld id="{A7FF40A1-BAF9-47AD-9B94-2540ACEF918D}" type="slidenum">
               <a:rPr lang="en-US" smtClean="0"/>
@@ -12497,7 +12528,7 @@
                 <a:ea typeface="+mn-ea"/>
                 <a:cs typeface="+mn-cs"/>
               </a:rPr>
-              <a:t> 9M.</a:t>
+              <a:t> 8F.</a:t>
             </a:r>
             <a:fld id="{240449DF-F5E8-4908-A8C5-8B1F7074FE06}" type="slidenum">
               <a:rPr kumimoji="0" lang="en-US" sz="1400" b="0" i="0" u="none" strike="noStrike" kern="1200" cap="none" spc="0" normalizeH="0" baseline="0" noProof="0" smtClean="0">
@@ -12760,7 +12791,7 @@
             </a:r>
             <a:r>
               <a:rPr lang="en-US" dirty="0" smtClean="0"/>
-              <a:t> 9M.</a:t>
+              <a:t> 8F.</a:t>
             </a:r>
             <a:fld id="{3130C671-BAFA-40C0-AA12-97E3C8E99BD9}" type="slidenum">
               <a:rPr lang="en-US" smtClean="0"/>
@@ -13397,7 +13428,7 @@
             </a:r>
             <a:r>
               <a:rPr lang="en-US" dirty="0" smtClean="0"/>
-              <a:t> 9M.</a:t>
+              <a:t> 8F.</a:t>
             </a:r>
             <a:fld id="{2D84392B-0D9B-42AA-BA65-FCCCDA49260E}" type="slidenum">
               <a:rPr lang="en-US" smtClean="0"/>
@@ -13647,7 +13678,7 @@
             </a:r>
             <a:r>
               <a:rPr lang="en-US" dirty="0" smtClean="0"/>
-              <a:t> 9M.</a:t>
+              <a:t> 8F.</a:t>
             </a:r>
             <a:fld id="{2D84392B-0D9B-42AA-BA65-FCCCDA49260E}" type="slidenum">
               <a:rPr lang="en-US" smtClean="0"/>
@@ -13807,7 +13838,7 @@
             </a:r>
             <a:r>
               <a:rPr lang="en-US" dirty="0" smtClean="0"/>
-              <a:t> 9M.</a:t>
+              <a:t> 8F.</a:t>
             </a:r>
             <a:fld id="{2D84392B-0D9B-42AA-BA65-FCCCDA49260E}" type="slidenum">
               <a:rPr lang="en-US" smtClean="0"/>
@@ -13927,7 +13958,7 @@
             </a:r>
             <a:r>
               <a:rPr lang="en-US" dirty="0" smtClean="0"/>
-              <a:t> 9M.</a:t>
+              <a:t> 8F.</a:t>
             </a:r>
             <a:fld id="{2D84392B-0D9B-42AA-BA65-FCCCDA49260E}" type="slidenum">
               <a:rPr lang="en-US" smtClean="0"/>
@@ -14778,7 +14809,7 @@
             </a:r>
             <a:r>
               <a:rPr lang="en-US" dirty="0" smtClean="0"/>
-              <a:t> 9M.</a:t>
+              <a:t> 8F.</a:t>
             </a:r>
             <a:fld id="{03D159E7-7261-456C-B1C2-8B1BCE6FD8AA}" type="slidenum">
               <a:rPr lang="en-US" smtClean="0"/>
@@ -14903,7 +14934,7 @@
             </a:r>
             <a:r>
               <a:rPr lang="en-US" dirty="0" smtClean="0"/>
-              <a:t> 9M.</a:t>
+              <a:t> 8F.</a:t>
             </a:r>
             <a:fld id="{EAE0CE3F-24F2-4E10-908C-002F0BCF9C89}" type="slidenum">
               <a:rPr lang="en-US" smtClean="0"/>
@@ -15586,7 +15617,7 @@
             </a:r>
             <a:r>
               <a:rPr lang="en-US" dirty="0" smtClean="0"/>
-              <a:t> 9M.</a:t>
+              <a:t> 8F.</a:t>
             </a:r>
             <a:fld id="{2E667B6B-E035-4178-9988-2F3A62346836}" type="slidenum">
               <a:rPr lang="en-US" smtClean="0"/>
@@ -16388,7 +16419,7 @@
             </a:r>
             <a:r>
               <a:rPr lang="en-US" dirty="0" smtClean="0"/>
-              <a:t> 9M.</a:t>
+              <a:t> 8F.</a:t>
             </a:r>
             <a:fld id="{6A5E9C01-C108-4A5C-AE7A-FB77D488E7D9}" type="slidenum">
               <a:rPr lang="en-US" smtClean="0"/>
@@ -16914,7 +16945,7 @@
             </a:r>
             <a:r>
               <a:rPr lang="en-US" dirty="0" smtClean="0"/>
-              <a:t> 9M.</a:t>
+              <a:t> 8F.</a:t>
             </a:r>
             <a:fld id="{3C84E341-AEF3-493B-A8EE-DBBF671E8583}" type="slidenum">
               <a:rPr lang="en-US" smtClean="0"/>
@@ -17092,7 +17123,7 @@
             </a:r>
             <a:r>
               <a:rPr lang="en-US" dirty="0" smtClean="0"/>
-              <a:t> 9M.</a:t>
+              <a:t> 8F.</a:t>
             </a:r>
             <a:fld id="{39475D55-F769-4D1E-BA0D-F03B0BEACB86}" type="slidenum">
               <a:rPr lang="en-US" smtClean="0"/>
@@ -17408,7 +17439,7 @@
             </a:r>
             <a:r>
               <a:rPr lang="en-US" dirty="0" smtClean="0"/>
-              <a:t> 9M.</a:t>
+              <a:t> 8F.</a:t>
             </a:r>
             <a:fld id="{87DF85EA-4F88-44EA-83A1-78351A258CEF}" type="slidenum">
               <a:rPr lang="en-US" smtClean="0"/>
@@ -18149,7 +18180,7 @@
             </a:r>
             <a:r>
               <a:rPr lang="en-US" dirty="0" smtClean="0"/>
-              <a:t> 9M.</a:t>
+              <a:t> 8F.</a:t>
             </a:r>
             <a:fld id="{F389C0C6-D6B8-4BCF-9EE6-7CFCBB0EDCA3}" type="slidenum">
               <a:rPr lang="en-US" smtClean="0"/>
@@ -18815,7 +18846,7 @@
             </a:r>
             <a:r>
               <a:rPr lang="en-US" dirty="0" smtClean="0"/>
-              <a:t> 9M.</a:t>
+              <a:t> 8F.</a:t>
             </a:r>
             <a:fld id="{F389C0C6-D6B8-4BCF-9EE6-7CFCBB0EDCA3}" type="slidenum">
               <a:rPr lang="en-US" smtClean="0"/>
@@ -18890,7 +18921,7 @@
             </a:r>
             <a:r>
               <a:rPr lang="en-US" dirty="0" smtClean="0"/>
-              <a:t> 9M.</a:t>
+              <a:t> 8F.</a:t>
             </a:r>
             <a:fld id="{1F6C5DAC-2009-4302-BE3F-4F64B63BF770}" type="slidenum">
               <a:rPr lang="en-US" smtClean="0"/>
@@ -19295,7 +19326,7 @@
             </a:r>
             <a:r>
               <a:rPr lang="en-US" dirty="0" smtClean="0"/>
-              <a:t> 9M.</a:t>
+              <a:t> 8F.</a:t>
             </a:r>
             <a:fld id="{BD9C3521-7B6B-4F9E-A36D-565F41EAD67F}" type="slidenum">
               <a:rPr lang="en-US" smtClean="0"/>
@@ -20155,7 +20186,7 @@
             </a:r>
             <a:r>
               <a:rPr lang="en-US" dirty="0" smtClean="0"/>
-              <a:t> 9M.</a:t>
+              <a:t> 8F.</a:t>
             </a:r>
             <a:fld id="{93347EBB-FBA4-4869-8D0A-161607B6A013}" type="slidenum">
               <a:rPr lang="en-US" smtClean="0"/>
@@ -20461,7 +20492,7 @@
             </a:r>
             <a:r>
               <a:rPr lang="en-US" dirty="0" smtClean="0"/>
-              <a:t> 9M.</a:t>
+              <a:t> 8F.</a:t>
             </a:r>
             <a:fld id="{D221F95D-EB57-47E6-A9FC-A34B00691920}" type="slidenum">
               <a:rPr lang="en-US" smtClean="0"/>
@@ -20760,7 +20791,7 @@
             </a:r>
             <a:r>
               <a:rPr lang="en-US" dirty="0" smtClean="0"/>
-              <a:t> 9M.</a:t>
+              <a:t> 8F.</a:t>
             </a:r>
             <a:fld id="{CD54EEB6-9419-4F86-BF91-83F56ABD6288}" type="slidenum">
               <a:rPr lang="en-US" smtClean="0"/>
@@ -21132,7 +21163,7 @@
             </a:r>
             <a:r>
               <a:rPr lang="en-US" dirty="0" smtClean="0"/>
-              <a:t> 9M.</a:t>
+              <a:t> 8F.</a:t>
             </a:r>
             <a:fld id="{2D84392B-0D9B-42AA-BA65-FCCCDA49260E}" type="slidenum">
               <a:rPr lang="en-US" smtClean="0"/>
@@ -22380,7 +22411,7 @@
             </a:r>
             <a:r>
               <a:rPr lang="en-US" dirty="0" smtClean="0"/>
-              <a:t> 9M.</a:t>
+              <a:t> 8F.</a:t>
             </a:r>
             <a:fld id="{BAD967A3-F968-4CE5-B9C8-0E65E562ACE5}" type="slidenum">
               <a:rPr lang="en-US" smtClean="0"/>
@@ -22784,7 +22815,7 @@
             </a:r>
             <a:r>
               <a:rPr lang="en-US" dirty="0" smtClean="0"/>
-              <a:t> 9M.</a:t>
+              <a:t> 8F.</a:t>
             </a:r>
             <a:fld id="{628CA37F-BEB8-4F06-9290-65883FDFDAD1}" type="slidenum">
               <a:rPr lang="en-US" smtClean="0"/>
@@ -24008,7 +24039,7 @@
             </a:r>
             <a:r>
               <a:rPr lang="en-US" dirty="0" smtClean="0"/>
-              <a:t> 9M.</a:t>
+              <a:t> 8F.</a:t>
             </a:r>
             <a:fld id="{1059454A-2E72-4D2B-8CF4-AC51538C5AA3}" type="slidenum">
               <a:rPr lang="en-US" smtClean="0"/>
@@ -25216,7 +25247,7 @@
             </a:r>
             <a:r>
               <a:rPr lang="en-US" dirty="0" smtClean="0"/>
-              <a:t> 9M.</a:t>
+              <a:t> 8F.</a:t>
             </a:r>
             <a:fld id="{1059454A-2E72-4D2B-8CF4-AC51538C5AA3}" type="slidenum">
               <a:rPr lang="en-US" smtClean="0"/>
@@ -26066,7 +26097,7 @@
             </a:r>
             <a:r>
               <a:rPr lang="en-US" dirty="0" smtClean="0"/>
-              <a:t> 9M.</a:t>
+              <a:t> 8F.</a:t>
             </a:r>
             <a:fld id="{C87CF356-7DF0-4D58-87B4-D1D77D4EF25D}" type="slidenum">
               <a:rPr lang="en-US" smtClean="0"/>
@@ -26560,7 +26591,7 @@
             </a:r>
             <a:r>
               <a:rPr lang="en-US" dirty="0" smtClean="0"/>
-              <a:t> 9M.</a:t>
+              <a:t> 8F.</a:t>
             </a:r>
             <a:fld id="{AD1D0FF0-6D93-442D-82F5-8BA6A710FDEB}" type="slidenum">
               <a:rPr lang="en-US" smtClean="0"/>
@@ -27094,7 +27125,7 @@
           <a:lstStyle/>
           <a:p>
             <a:r>
-              <a:rPr lang="en-US" sz="5400" i="1" dirty="0" err="1">
+              <a:rPr lang="en-US" sz="5400" dirty="0" err="1">
                 <a:latin typeface="Comic Sans MS" pitchFamily="66" charset="0"/>
               </a:rPr>
               <a:t>pf</a:t>
